--- a/visualisation/workflow.pptx
+++ b/visualisation/workflow.pptx
@@ -253,7 +253,7 @@
       <p15:sldGuideLst xmlns:p15="http://schemas.microsoft.com/office/powerpoint/2012/main"/>
     </p:ext>
     <p:ext uri="GoogleSlidesCustomDataVersion2">
-      <go:slidesCustomData xmlns:go="http://customooxmlschemas.google.com/" xmlns:ahyp="http://schemas.microsoft.com/office/drawing/2018/hyperlinkcolor" xmlns:p15="http://schemas.microsoft.com/office/powerpoint/2012/main" xmlns:p14="http://schemas.microsoft.com/office/powerpoint/2010/main" xmlns:com="http://schemas.openxmlformats.org/drawingml/2006/compatibility" xmlns:pvml="urn:schemas-microsoft-com:office:powerpoint" xmlns:v="urn:schemas-microsoft-com:vml" xmlns:o="urn:schemas-microsoft-com:office:office" xmlns:dgm="http://schemas.openxmlformats.org/drawingml/2006/diagram" xmlns:c="http://schemas.openxmlformats.org/drawingml/2006/chart" xmlns:mv="urn:schemas-microsoft-com:mac:vml" xmlns:mc="http://schemas.openxmlformats.org/markup-compatibility/2006" xmlns="" r:id="rId9" roundtripDataSignature="AMtx7miNt8MGIBSDZ5vj/D6RygW99Z6vqA=="/>
+      <go:slidesCustomData xmlns="" xmlns:mc="http://schemas.openxmlformats.org/markup-compatibility/2006" xmlns:mv="urn:schemas-microsoft-com:mac:vml" xmlns:c="http://schemas.openxmlformats.org/drawingml/2006/chart" xmlns:dgm="http://schemas.openxmlformats.org/drawingml/2006/diagram" xmlns:o="urn:schemas-microsoft-com:office:office" xmlns:v="urn:schemas-microsoft-com:vml" xmlns:pvml="urn:schemas-microsoft-com:office:powerpoint" xmlns:com="http://schemas.openxmlformats.org/drawingml/2006/compatibility" xmlns:p14="http://schemas.microsoft.com/office/powerpoint/2010/main" xmlns:p15="http://schemas.microsoft.com/office/powerpoint/2012/main" xmlns:ahyp="http://schemas.microsoft.com/office/drawing/2018/hyperlinkcolor" xmlns:go="http://customooxmlschemas.google.com/" r:id="rId9" roundtripDataSignature="AMtx7miNt8MGIBSDZ5vj/D6RygW99Z6vqA=="/>
     </p:ext>
   </p:extLst>
 </p:presentation>
@@ -11166,7 +11166,7 @@
                 <a:cs typeface="Roboto Slab"/>
                 <a:sym typeface="Roboto Slab"/>
               </a:rPr>
-              <a:t>Follow-up processing (multiple regression with other variables/connectivity bottlenecks or stepping ‘stones’)</a:t>
+              <a:t>Follow-up processing by user (e.g. multiple regression with other variables/connectivity bottlenecks or stepping ‘stones’)</a:t>
             </a:r>
           </a:p>
         </p:txBody>
@@ -12699,7 +12699,7 @@
         <p:spPr>
           <a:xfrm flipV="1">
             <a:off x="724987" y="4166389"/>
-            <a:ext cx="3786" cy="251717"/>
+            <a:ext cx="3786" cy="170908"/>
           </a:xfrm>
           <a:prstGeom prst="straightConnector1">
             <a:avLst/>
@@ -13200,8 +13200,8 @@
         </p:nvSpPr>
         <p:spPr>
           <a:xfrm>
-            <a:off x="90420" y="4418106"/>
-            <a:ext cx="1269134" cy="261982"/>
+            <a:off x="90420" y="4337297"/>
+            <a:ext cx="1269134" cy="695695"/>
           </a:xfrm>
           <a:prstGeom prst="rect">
             <a:avLst/>
@@ -13239,9 +13239,51 @@
               </a:rPr>
               <a:t>Socrata API</a:t>
             </a:r>
+          </a:p>
+          <a:p>
+            <a:pPr algn="ctr"/>
+            <a:r>
+              <a:rPr lang="en-GB" sz="1100" i="1" dirty="0">
+                <a:solidFill>
+                  <a:srgbClr val="FF0000"/>
+                </a:solidFill>
+                <a:latin typeface="Roboto Slab"/>
+                <a:ea typeface="Roboto Slab"/>
+                <a:cs typeface="Roboto Slab"/>
+                <a:sym typeface="Roboto Slab"/>
+              </a:rPr>
+              <a:t>Or</a:t>
+            </a:r>
+          </a:p>
+          <a:p>
+            <a:pPr algn="ctr"/>
+            <a:r>
+              <a:rPr lang="en-GB" sz="1100" i="1" dirty="0" err="1">
+                <a:solidFill>
+                  <a:srgbClr val="FF0000"/>
+                </a:solidFill>
+                <a:latin typeface="Roboto Slab"/>
+                <a:ea typeface="Roboto Slab"/>
+                <a:cs typeface="Roboto Slab"/>
+                <a:sym typeface="Roboto Slab"/>
+              </a:rPr>
+              <a:t>Datos</a:t>
+            </a:r>
+            <a:r>
+              <a:rPr lang="en-GB" sz="1100" i="1" dirty="0">
+                <a:solidFill>
+                  <a:srgbClr val="FF0000"/>
+                </a:solidFill>
+                <a:latin typeface="Roboto Slab"/>
+                <a:ea typeface="Roboto Slab"/>
+                <a:cs typeface="Roboto Slab"/>
+                <a:sym typeface="Roboto Slab"/>
+              </a:rPr>
+              <a:t> Gob ES API</a:t>
+            </a:r>
             <a:endParaRPr sz="1100" i="1" dirty="0">
               <a:solidFill>
-                <a:schemeClr val="dk1"/>
+                <a:srgbClr val="FF0000"/>
               </a:solidFill>
               <a:latin typeface="Roboto Slab"/>
               <a:ea typeface="Roboto Slab"/>
@@ -14194,7 +14236,7 @@
         </p:nvSpPr>
         <p:spPr>
           <a:xfrm>
-            <a:off x="76515" y="4837784"/>
+            <a:off x="76515" y="5300135"/>
             <a:ext cx="1283038" cy="386299"/>
           </a:xfrm>
           <a:prstGeom prst="rect">
@@ -14292,8 +14334,8 @@
         </p:nvCxnSpPr>
         <p:spPr>
           <a:xfrm flipV="1">
-            <a:off x="718034" y="4680088"/>
-            <a:ext cx="6953" cy="157696"/>
+            <a:off x="718034" y="5032992"/>
+            <a:ext cx="6953" cy="267143"/>
           </a:xfrm>
           <a:prstGeom prst="straightConnector1">
             <a:avLst/>
